--- a/2024 2DGP 2차발표 2021182012 민지용.pptx
+++ b/2024 2DGP 2차발표 2021182012 민지용.pptx
@@ -5,13 +5,12 @@
     <p:sldMasterId id="2147483660" r:id="rId1"/>
   </p:sldMasterIdLst>
   <p:notesMasterIdLst>
-    <p:notesMasterId r:id="rId6"/>
+    <p:notesMasterId r:id="rId5"/>
   </p:notesMasterIdLst>
   <p:sldIdLst>
     <p:sldId id="263" r:id="rId2"/>
     <p:sldId id="267" r:id="rId3"/>
     <p:sldId id="262" r:id="rId4"/>
-    <p:sldId id="265" r:id="rId5"/>
   </p:sldIdLst>
   <p:sldSz cx="12192000" cy="6858000"/>
   <p:notesSz cx="6858000" cy="9144000"/>
@@ -5896,7 +5895,7 @@
           <p:nvPr>
             <p:extLst>
               <p:ext uri="{D42A27DB-BD31-4B8C-83A1-F6EECF244321}">
-                <p14:modId xmlns:p14="http://schemas.microsoft.com/office/powerpoint/2010/main" val="2677038731"/>
+                <p14:modId xmlns:p14="http://schemas.microsoft.com/office/powerpoint/2010/main" val="2955017620"/>
               </p:ext>
             </p:extLst>
           </p:nvPr>
@@ -6324,7 +6323,7 @@
                           <a:ea typeface="나눔스퀘어_ac Bold" panose="020B0600000101010101" pitchFamily="50" charset="-127"/>
                           <a:cs typeface="ADLaM Display" panose="020F0502020204030204" pitchFamily="2" charset="0"/>
                         </a:rPr>
-                        <a:t>0%</a:t>
+                        <a:t>30%</a:t>
                       </a:r>
                       <a:endParaRPr lang="ko-KR" altLang="en-US" dirty="0">
                         <a:latin typeface="나눔스퀘어_ac Bold" panose="020B0600000101010101" pitchFamily="50" charset="-127"/>
@@ -6649,8 +6648,8 @@
         </p:nvSpPr>
         <p:spPr>
           <a:xfrm>
-            <a:off x="1873404" y="1494260"/>
-            <a:ext cx="8207297" cy="467885"/>
+            <a:off x="1172814" y="1479981"/>
+            <a:ext cx="10679318" cy="467885"/>
           </a:xfrm>
           <a:prstGeom prst="rect">
             <a:avLst/>
@@ -6669,11 +6668,25 @@
               </a:lnSpc>
             </a:pPr>
             <a:r>
+              <a:rPr lang="ko-KR" altLang="en-US">
+                <a:latin typeface="나눔스퀘어_ac Bold" panose="020B0600000101010101" pitchFamily="50" charset="-127"/>
+                <a:ea typeface="나눔스퀘어_ac Bold" panose="020B0600000101010101" pitchFamily="50" charset="-127"/>
+              </a:rPr>
+              <a:t>게임의 귀여움을 넣고</a:t>
+            </a:r>
+            <a:r>
+              <a:rPr lang="en-US" altLang="ko-KR" dirty="0">
+                <a:latin typeface="나눔스퀘어_ac Bold" panose="020B0600000101010101" pitchFamily="50" charset="-127"/>
+                <a:ea typeface="나눔스퀘어_ac Bold" panose="020B0600000101010101" pitchFamily="50" charset="-127"/>
+              </a:rPr>
+              <a:t>, </a:t>
+            </a:r>
+            <a:r>
               <a:rPr lang="ko-KR" altLang="en-US" dirty="0">
                 <a:latin typeface="나눔스퀘어_ac Bold" panose="020B0600000101010101" pitchFamily="50" charset="-127"/>
                 <a:ea typeface="나눔스퀘어_ac Bold" panose="020B0600000101010101" pitchFamily="50" charset="-127"/>
               </a:rPr>
-              <a:t>게임의 귀여움을 주고 싶어서 </a:t>
+              <a:t>문명 시스템이 빠지며 통일성을 주고 싶어서 </a:t>
             </a:r>
             <a:r>
               <a:rPr lang="en-US" altLang="ko-KR" dirty="0">
@@ -6723,20 +6736,6 @@
                 <a:ea typeface="나눔스퀘어_ac Bold" panose="020B0600000101010101" pitchFamily="50" charset="-127"/>
               </a:rPr>
               <a:t>. </a:t>
-            </a:r>
-            <a:r>
-              <a:rPr lang="ko-KR" altLang="en-US" dirty="0">
-                <a:latin typeface="나눔스퀘어_ac Bold" panose="020B0600000101010101" pitchFamily="50" charset="-127"/>
-                <a:ea typeface="나눔스퀘어_ac Bold" panose="020B0600000101010101" pitchFamily="50" charset="-127"/>
-              </a:rPr>
-              <a:t>개발 내용은 동일</a:t>
-            </a:r>
-            <a:r>
-              <a:rPr lang="en-US" altLang="ko-KR" dirty="0">
-                <a:latin typeface="나눔스퀘어_ac Bold" panose="020B0600000101010101" pitchFamily="50" charset="-127"/>
-                <a:ea typeface="나눔스퀘어_ac Bold" panose="020B0600000101010101" pitchFamily="50" charset="-127"/>
-              </a:rPr>
-              <a:t>.</a:t>
             </a:r>
             <a:endParaRPr lang="ko-KR" altLang="en-US" dirty="0">
               <a:latin typeface="나눔스퀘어_ac Bold" panose="020B0600000101010101" pitchFamily="50" charset="-127"/>
@@ -7730,7 +7729,7 @@
         <p:spPr>
           <a:xfrm>
             <a:off x="949789" y="789503"/>
-            <a:ext cx="1741182" cy="461665"/>
+            <a:ext cx="2379177" cy="461665"/>
           </a:xfrm>
           <a:prstGeom prst="rect">
             <a:avLst/>
@@ -7834,7 +7833,7 @@
                 <a:latin typeface="나눔스퀘어 ExtraBold" panose="020B0600000101010101" pitchFamily="50" charset="-127"/>
                 <a:ea typeface="나눔스퀘어 ExtraBold" panose="020B0600000101010101" pitchFamily="50" charset="-127"/>
               </a:rPr>
-              <a:t> </a:t>
+              <a:t> 통계 </a:t>
             </a:r>
           </a:p>
         </p:txBody>
@@ -8031,441 +8030,40 @@
           </a:p>
         </p:txBody>
       </p:sp>
+      <p:pic>
+        <p:nvPicPr>
+          <p:cNvPr id="3" name="그림 2">
+            <a:extLst>
+              <a:ext uri="{FF2B5EF4-FFF2-40B4-BE49-F238E27FC236}">
+                <a16:creationId xmlns:a16="http://schemas.microsoft.com/office/drawing/2014/main" id="{27853DC7-ECC1-AC8D-827E-0A85605A14F3}"/>
+              </a:ext>
+            </a:extLst>
+          </p:cNvPr>
+          <p:cNvPicPr>
+            <a:picLocks noChangeAspect="1"/>
+          </p:cNvPicPr>
+          <p:nvPr/>
+        </p:nvPicPr>
+        <p:blipFill>
+          <a:blip r:embed="rId2"/>
+          <a:stretch>
+            <a:fillRect/>
+          </a:stretch>
+        </p:blipFill>
+        <p:spPr>
+          <a:xfrm>
+            <a:off x="1537363" y="1683834"/>
+            <a:ext cx="9204866" cy="4401076"/>
+          </a:xfrm>
+          <a:prstGeom prst="rect">
+            <a:avLst/>
+          </a:prstGeom>
+        </p:spPr>
+      </p:pic>
     </p:spTree>
     <p:extLst>
       <p:ext uri="{BB962C8B-B14F-4D97-AF65-F5344CB8AC3E}">
         <p14:creationId xmlns:p14="http://schemas.microsoft.com/office/powerpoint/2010/main" val="265918840"/>
-      </p:ext>
-    </p:extLst>
-  </p:cSld>
-  <p:clrMapOvr>
-    <a:masterClrMapping/>
-  </p:clrMapOvr>
-  <mc:AlternateContent xmlns:mc="http://schemas.openxmlformats.org/markup-compatibility/2006" xmlns:p14="http://schemas.microsoft.com/office/powerpoint/2010/main">
-    <mc:Choice Requires="p14">
-      <p:transition spd="med" p14:dur="700">
-        <p:fade/>
-      </p:transition>
-    </mc:Choice>
-    <mc:Fallback xmlns="">
-      <p:transition spd="med">
-        <p:fade/>
-      </p:transition>
-    </mc:Fallback>
-  </mc:AlternateContent>
-</p:sld>
-</file>
-
-<file path=ppt/slides/slide4.xml><?xml version="1.0" encoding="utf-8"?>
-<p:sld xmlns:a="http://schemas.openxmlformats.org/drawingml/2006/main" xmlns:r="http://schemas.openxmlformats.org/officeDocument/2006/relationships" xmlns:p="http://schemas.openxmlformats.org/presentationml/2006/main">
-  <p:cSld>
-    <p:spTree>
-      <p:nvGrpSpPr>
-        <p:cNvPr id="1" name=""/>
-        <p:cNvGrpSpPr/>
-        <p:nvPr/>
-      </p:nvGrpSpPr>
-      <p:grpSpPr>
-        <a:xfrm>
-          <a:off x="0" y="0"/>
-          <a:ext cx="0" cy="0"/>
-          <a:chOff x="0" y="0"/>
-          <a:chExt cx="0" cy="0"/>
-        </a:xfrm>
-      </p:grpSpPr>
-      <p:sp>
-        <p:nvSpPr>
-          <p:cNvPr id="9" name="직사각형 8">
-            <a:extLst>
-              <a:ext uri="{FF2B5EF4-FFF2-40B4-BE49-F238E27FC236}">
-                <a16:creationId xmlns:a16="http://schemas.microsoft.com/office/drawing/2014/main" id="{F2A9992E-B95C-D7ED-3F8D-0B989B8380A3}"/>
-              </a:ext>
-            </a:extLst>
-          </p:cNvPr>
-          <p:cNvSpPr/>
-          <p:nvPr/>
-        </p:nvSpPr>
-        <p:spPr>
-          <a:xfrm>
-            <a:off x="626327" y="2506236"/>
-            <a:ext cx="10933289" cy="2263698"/>
-          </a:xfrm>
-          <a:prstGeom prst="rect">
-            <a:avLst/>
-          </a:prstGeom>
-          <a:pattFill prst="dotGrid">
-            <a:fgClr>
-              <a:schemeClr val="accent1">
-                <a:lumMod val="40000"/>
-                <a:lumOff val="60000"/>
-              </a:schemeClr>
-            </a:fgClr>
-            <a:bgClr>
-              <a:schemeClr val="bg1"/>
-            </a:bgClr>
-          </a:pattFill>
-          <a:ln>
-            <a:noFill/>
-          </a:ln>
-        </p:spPr>
-        <p:style>
-          <a:lnRef idx="2">
-            <a:schemeClr val="accent1">
-              <a:shade val="50000"/>
-            </a:schemeClr>
-          </a:lnRef>
-          <a:fillRef idx="1">
-            <a:schemeClr val="accent1"/>
-          </a:fillRef>
-          <a:effectRef idx="0">
-            <a:schemeClr val="accent1"/>
-          </a:effectRef>
-          <a:fontRef idx="minor">
-            <a:schemeClr val="lt1"/>
-          </a:fontRef>
-        </p:style>
-        <p:txBody>
-          <a:bodyPr rtlCol="0" anchor="ctr"/>
-          <a:lstStyle/>
-          <a:p>
-            <a:pPr algn="ctr"/>
-            <a:endParaRPr lang="ko-KR" altLang="en-US"/>
-          </a:p>
-        </p:txBody>
-      </p:sp>
-      <p:sp>
-        <p:nvSpPr>
-          <p:cNvPr id="6" name="직사각형 5">
-            <a:extLst>
-              <a:ext uri="{FF2B5EF4-FFF2-40B4-BE49-F238E27FC236}">
-                <a16:creationId xmlns:a16="http://schemas.microsoft.com/office/drawing/2014/main" id="{74A95220-4771-72A5-62DE-F8204657ED01}"/>
-              </a:ext>
-            </a:extLst>
-          </p:cNvPr>
-          <p:cNvSpPr/>
-          <p:nvPr/>
-        </p:nvSpPr>
-        <p:spPr>
-          <a:xfrm>
-            <a:off x="626327" y="2088065"/>
-            <a:ext cx="10939346" cy="836341"/>
-          </a:xfrm>
-          <a:prstGeom prst="rect">
-            <a:avLst/>
-          </a:prstGeom>
-          <a:solidFill>
-            <a:schemeClr val="accent4"/>
-          </a:solidFill>
-          <a:ln>
-            <a:noFill/>
-          </a:ln>
-        </p:spPr>
-        <p:style>
-          <a:lnRef idx="2">
-            <a:schemeClr val="accent1">
-              <a:shade val="50000"/>
-            </a:schemeClr>
-          </a:lnRef>
-          <a:fillRef idx="1">
-            <a:schemeClr val="accent1"/>
-          </a:fillRef>
-          <a:effectRef idx="0">
-            <a:schemeClr val="accent1"/>
-          </a:effectRef>
-          <a:fontRef idx="minor">
-            <a:schemeClr val="lt1"/>
-          </a:fontRef>
-        </p:style>
-        <p:txBody>
-          <a:bodyPr rtlCol="0" anchor="ctr"/>
-          <a:lstStyle/>
-          <a:p>
-            <a:pPr algn="ctr"/>
-            <a:endParaRPr lang="ko-KR" altLang="en-US"/>
-          </a:p>
-        </p:txBody>
-      </p:sp>
-      <p:sp>
-        <p:nvSpPr>
-          <p:cNvPr id="7" name="타원 6">
-            <a:extLst>
-              <a:ext uri="{FF2B5EF4-FFF2-40B4-BE49-F238E27FC236}">
-                <a16:creationId xmlns:a16="http://schemas.microsoft.com/office/drawing/2014/main" id="{D2A873B6-F69F-BB0F-EEB5-BAD972EF3CF3}"/>
-              </a:ext>
-            </a:extLst>
-          </p:cNvPr>
-          <p:cNvSpPr/>
-          <p:nvPr/>
-        </p:nvSpPr>
-        <p:spPr>
-          <a:xfrm>
-            <a:off x="10071409" y="2333391"/>
-            <a:ext cx="338736" cy="338736"/>
-          </a:xfrm>
-          <a:prstGeom prst="ellipse">
-            <a:avLst/>
-          </a:prstGeom>
-          <a:solidFill>
-            <a:srgbClr val="FF0000"/>
-          </a:solidFill>
-          <a:ln>
-            <a:noFill/>
-          </a:ln>
-          <a:effectLst>
-            <a:outerShdw blurRad="25400" dist="12700" dir="2700000" algn="tl" rotWithShape="0">
-              <a:prstClr val="black">
-                <a:alpha val="40000"/>
-              </a:prstClr>
-            </a:outerShdw>
-          </a:effectLst>
-        </p:spPr>
-        <p:style>
-          <a:lnRef idx="2">
-            <a:schemeClr val="accent1">
-              <a:shade val="50000"/>
-            </a:schemeClr>
-          </a:lnRef>
-          <a:fillRef idx="1">
-            <a:schemeClr val="accent1"/>
-          </a:fillRef>
-          <a:effectRef idx="0">
-            <a:schemeClr val="accent1"/>
-          </a:effectRef>
-          <a:fontRef idx="minor">
-            <a:schemeClr val="lt1"/>
-          </a:fontRef>
-        </p:style>
-        <p:txBody>
-          <a:bodyPr rtlCol="0" anchor="ctr"/>
-          <a:lstStyle/>
-          <a:p>
-            <a:pPr algn="ctr"/>
-            <a:endParaRPr lang="ko-KR" altLang="en-US"/>
-          </a:p>
-        </p:txBody>
-      </p:sp>
-      <p:sp>
-        <p:nvSpPr>
-          <p:cNvPr id="8" name="타원 7">
-            <a:extLst>
-              <a:ext uri="{FF2B5EF4-FFF2-40B4-BE49-F238E27FC236}">
-                <a16:creationId xmlns:a16="http://schemas.microsoft.com/office/drawing/2014/main" id="{B4CAC4BA-FEA5-3831-33D8-4DF48C05ED56}"/>
-              </a:ext>
-            </a:extLst>
-          </p:cNvPr>
-          <p:cNvSpPr/>
-          <p:nvPr/>
-        </p:nvSpPr>
-        <p:spPr>
-          <a:xfrm>
-            <a:off x="10515358" y="2333391"/>
-            <a:ext cx="338736" cy="338736"/>
-          </a:xfrm>
-          <a:prstGeom prst="ellipse">
-            <a:avLst/>
-          </a:prstGeom>
-          <a:solidFill>
-            <a:srgbClr val="FFC000"/>
-          </a:solidFill>
-          <a:ln>
-            <a:noFill/>
-          </a:ln>
-          <a:effectLst>
-            <a:outerShdw blurRad="25400" dist="12700" dir="2700000" algn="tl" rotWithShape="0">
-              <a:prstClr val="black">
-                <a:alpha val="40000"/>
-              </a:prstClr>
-            </a:outerShdw>
-          </a:effectLst>
-        </p:spPr>
-        <p:style>
-          <a:lnRef idx="2">
-            <a:schemeClr val="accent1">
-              <a:shade val="50000"/>
-            </a:schemeClr>
-          </a:lnRef>
-          <a:fillRef idx="1">
-            <a:schemeClr val="accent1"/>
-          </a:fillRef>
-          <a:effectRef idx="0">
-            <a:schemeClr val="accent1"/>
-          </a:effectRef>
-          <a:fontRef idx="minor">
-            <a:schemeClr val="lt1"/>
-          </a:fontRef>
-        </p:style>
-        <p:txBody>
-          <a:bodyPr rtlCol="0" anchor="ctr"/>
-          <a:lstStyle/>
-          <a:p>
-            <a:pPr algn="ctr"/>
-            <a:endParaRPr lang="ko-KR" altLang="en-US"/>
-          </a:p>
-        </p:txBody>
-      </p:sp>
-      <p:sp>
-        <p:nvSpPr>
-          <p:cNvPr id="12" name="타원 11">
-            <a:extLst>
-              <a:ext uri="{FF2B5EF4-FFF2-40B4-BE49-F238E27FC236}">
-                <a16:creationId xmlns:a16="http://schemas.microsoft.com/office/drawing/2014/main" id="{7DBC8540-D814-5E70-DB96-244D0EE36225}"/>
-              </a:ext>
-            </a:extLst>
-          </p:cNvPr>
-          <p:cNvSpPr/>
-          <p:nvPr/>
-        </p:nvSpPr>
-        <p:spPr>
-          <a:xfrm>
-            <a:off x="10959308" y="2333391"/>
-            <a:ext cx="338736" cy="338736"/>
-          </a:xfrm>
-          <a:prstGeom prst="ellipse">
-            <a:avLst/>
-          </a:prstGeom>
-          <a:solidFill>
-            <a:srgbClr val="00B050"/>
-          </a:solidFill>
-          <a:ln>
-            <a:noFill/>
-          </a:ln>
-          <a:effectLst>
-            <a:outerShdw blurRad="25400" dist="12700" dir="2700000" algn="tl" rotWithShape="0">
-              <a:prstClr val="black">
-                <a:alpha val="40000"/>
-              </a:prstClr>
-            </a:outerShdw>
-          </a:effectLst>
-        </p:spPr>
-        <p:style>
-          <a:lnRef idx="2">
-            <a:schemeClr val="accent1">
-              <a:shade val="50000"/>
-            </a:schemeClr>
-          </a:lnRef>
-          <a:fillRef idx="1">
-            <a:schemeClr val="accent1"/>
-          </a:fillRef>
-          <a:effectRef idx="0">
-            <a:schemeClr val="accent1"/>
-          </a:effectRef>
-          <a:fontRef idx="minor">
-            <a:schemeClr val="lt1"/>
-          </a:fontRef>
-        </p:style>
-        <p:txBody>
-          <a:bodyPr rtlCol="0" anchor="ctr"/>
-          <a:lstStyle/>
-          <a:p>
-            <a:pPr algn="ctr"/>
-            <a:endParaRPr lang="ko-KR" altLang="en-US"/>
-          </a:p>
-        </p:txBody>
-      </p:sp>
-      <p:sp>
-        <p:nvSpPr>
-          <p:cNvPr id="11" name="TextBox 10">
-            <a:extLst>
-              <a:ext uri="{FF2B5EF4-FFF2-40B4-BE49-F238E27FC236}">
-                <a16:creationId xmlns:a16="http://schemas.microsoft.com/office/drawing/2014/main" id="{C60922D5-A218-AC17-556D-60C2D0B4DDF2}"/>
-              </a:ext>
-            </a:extLst>
-          </p:cNvPr>
-          <p:cNvSpPr txBox="1"/>
-          <p:nvPr/>
-        </p:nvSpPr>
-        <p:spPr>
-          <a:xfrm>
-            <a:off x="978404" y="2275402"/>
-            <a:ext cx="1085618" cy="461665"/>
-          </a:xfrm>
-          <a:prstGeom prst="rect">
-            <a:avLst/>
-          </a:prstGeom>
-          <a:noFill/>
-        </p:spPr>
-        <p:txBody>
-          <a:bodyPr wrap="none" rtlCol="0">
-            <a:spAutoFit/>
-          </a:bodyPr>
-          <a:lstStyle/>
-          <a:p>
-            <a:pPr algn="ctr"/>
-            <a:r>
-              <a:rPr lang="en-US" altLang="ko-KR" sz="2400" b="1" dirty="0">
-                <a:solidFill>
-                  <a:schemeClr val="tx1">
-                    <a:lumMod val="65000"/>
-                    <a:lumOff val="35000"/>
-                  </a:schemeClr>
-                </a:solidFill>
-                <a:latin typeface="나눔스퀘어 ExtraBold" panose="020B0600000101010101" pitchFamily="50" charset="-127"/>
-                <a:ea typeface="나눔스퀘어 ExtraBold" panose="020B0600000101010101" pitchFamily="50" charset="-127"/>
-              </a:rPr>
-              <a:t>Part 4</a:t>
-            </a:r>
-            <a:endParaRPr lang="ko-KR" altLang="en-US" sz="2400" b="1" dirty="0">
-              <a:solidFill>
-                <a:schemeClr val="tx1">
-                  <a:lumMod val="65000"/>
-                  <a:lumOff val="35000"/>
-                </a:schemeClr>
-              </a:solidFill>
-              <a:latin typeface="나눔스퀘어 ExtraBold" panose="020B0600000101010101" pitchFamily="50" charset="-127"/>
-              <a:ea typeface="나눔스퀘어 ExtraBold" panose="020B0600000101010101" pitchFamily="50" charset="-127"/>
-            </a:endParaRPr>
-          </a:p>
-        </p:txBody>
-      </p:sp>
-      <p:sp>
-        <p:nvSpPr>
-          <p:cNvPr id="23" name="TextBox 22">
-            <a:extLst>
-              <a:ext uri="{FF2B5EF4-FFF2-40B4-BE49-F238E27FC236}">
-                <a16:creationId xmlns:a16="http://schemas.microsoft.com/office/drawing/2014/main" id="{714E4C77-E1F3-67AA-28E1-E8E682220527}"/>
-              </a:ext>
-            </a:extLst>
-          </p:cNvPr>
-          <p:cNvSpPr txBox="1"/>
-          <p:nvPr/>
-        </p:nvSpPr>
-        <p:spPr>
-          <a:xfrm>
-            <a:off x="5058698" y="3342577"/>
-            <a:ext cx="2074606" cy="923330"/>
-          </a:xfrm>
-          <a:prstGeom prst="rect">
-            <a:avLst/>
-          </a:prstGeom>
-          <a:noFill/>
-        </p:spPr>
-        <p:txBody>
-          <a:bodyPr wrap="none" rtlCol="0">
-            <a:spAutoFit/>
-          </a:bodyPr>
-          <a:lstStyle/>
-          <a:p>
-            <a:pPr algn="ctr"/>
-            <a:r>
-              <a:rPr lang="ko-KR" altLang="en-US" sz="5400" b="1" dirty="0">
-                <a:solidFill>
-                  <a:schemeClr val="tx1">
-                    <a:lumMod val="65000"/>
-                    <a:lumOff val="35000"/>
-                  </a:schemeClr>
-                </a:solidFill>
-                <a:latin typeface="나눔스퀘어 ExtraBold" panose="020B0600000101010101" pitchFamily="50" charset="-127"/>
-                <a:ea typeface="나눔스퀘어 ExtraBold" panose="020B0600000101010101" pitchFamily="50" charset="-127"/>
-              </a:rPr>
-              <a:t>마치며</a:t>
-            </a:r>
-          </a:p>
-        </p:txBody>
-      </p:sp>
-    </p:spTree>
-    <p:extLst>
-      <p:ext uri="{BB962C8B-B14F-4D97-AF65-F5344CB8AC3E}">
-        <p14:creationId xmlns:p14="http://schemas.microsoft.com/office/powerpoint/2010/main" val="539135584"/>
       </p:ext>
     </p:extLst>
   </p:cSld>

--- a/2024 2DGP 2차발표 2021182012 민지용.pptx
+++ b/2024 2DGP 2차발표 2021182012 민지용.pptx
@@ -5581,7 +5581,7 @@
         <p:spPr>
           <a:xfrm>
             <a:off x="949789" y="789503"/>
-            <a:ext cx="4883068" cy="461665"/>
+            <a:ext cx="6550191" cy="461665"/>
           </a:xfrm>
           <a:prstGeom prst="rect">
             <a:avLst/>
@@ -5667,7 +5667,46 @@
                 <a:latin typeface="나눔스퀘어 ExtraBold" panose="020B0600000101010101" pitchFamily="50" charset="-127"/>
                 <a:ea typeface="나눔스퀘어 ExtraBold" panose="020B0600000101010101" pitchFamily="50" charset="-127"/>
               </a:rPr>
-              <a:t>현재까지의 진행 상황</a:t>
+              <a:t>현재까지의 진행 상황 </a:t>
+            </a:r>
+            <a:r>
+              <a:rPr lang="en-US" altLang="ko-KR" sz="2400" b="1" dirty="0">
+                <a:solidFill>
+                  <a:prstClr val="black">
+                    <a:lumMod val="75000"/>
+                    <a:lumOff val="25000"/>
+                  </a:prstClr>
+                </a:solidFill>
+                <a:latin typeface="나눔스퀘어 ExtraBold" panose="020B0600000101010101" pitchFamily="50" charset="-127"/>
+                <a:ea typeface="나눔스퀘어 ExtraBold" panose="020B0600000101010101" pitchFamily="50" charset="-127"/>
+              </a:rPr>
+              <a:t>– </a:t>
+            </a:r>
+            <a:r>
+              <a:rPr lang="ko-KR" altLang="en-US" sz="2400" b="1" dirty="0">
+                <a:solidFill>
+                  <a:prstClr val="black">
+                    <a:lumMod val="75000"/>
+                    <a:lumOff val="25000"/>
+                  </a:prstClr>
+                </a:solidFill>
+                <a:latin typeface="나눔스퀘어 ExtraBold" panose="020B0600000101010101" pitchFamily="50" charset="-127"/>
+                <a:ea typeface="나눔스퀘어 ExtraBold" panose="020B0600000101010101" pitchFamily="50" charset="-127"/>
+              </a:rPr>
+              <a:t>평균 </a:t>
+            </a:r>
+            <a:r>
+              <a:rPr lang="en-US" altLang="ko-KR" sz="2400" b="1" dirty="0">
+                <a:solidFill>
+                  <a:prstClr val="black">
+                    <a:lumMod val="75000"/>
+                    <a:lumOff val="25000"/>
+                  </a:prstClr>
+                </a:solidFill>
+                <a:latin typeface="나눔스퀘어 ExtraBold" panose="020B0600000101010101" pitchFamily="50" charset="-127"/>
+                <a:ea typeface="나눔스퀘어 ExtraBold" panose="020B0600000101010101" pitchFamily="50" charset="-127"/>
+              </a:rPr>
+              <a:t>84%</a:t>
             </a:r>
             <a:endParaRPr kumimoji="0" lang="ko-KR" altLang="en-US" sz="2400" b="1" i="0" u="none" strike="noStrike" kern="1200" cap="none" spc="0" normalizeH="0" baseline="0" noProof="0" dirty="0">
               <a:ln>
@@ -5895,7 +5934,7 @@
           <p:nvPr>
             <p:extLst>
               <p:ext uri="{D42A27DB-BD31-4B8C-83A1-F6EECF244321}">
-                <p14:modId xmlns:p14="http://schemas.microsoft.com/office/powerpoint/2010/main" val="2955017620"/>
+                <p14:modId xmlns:p14="http://schemas.microsoft.com/office/powerpoint/2010/main" val="3922522283"/>
               </p:ext>
             </p:extLst>
           </p:nvPr>
@@ -6217,7 +6256,7 @@
                           <a:ea typeface="나눔스퀘어_ac Bold" panose="020B0600000101010101" pitchFamily="50" charset="-127"/>
                           <a:cs typeface="ADLaM Display" panose="020F0502020204030204" pitchFamily="2" charset="0"/>
                         </a:rPr>
-                        <a:t>80%</a:t>
+                        <a:t>95%</a:t>
                       </a:r>
                       <a:endParaRPr lang="ko-KR" altLang="en-US" dirty="0">
                         <a:latin typeface="나눔스퀘어_ac Bold" panose="020B0600000101010101" pitchFamily="50" charset="-127"/>
@@ -6754,13 +6793,13 @@
   <p:clrMapOvr>
     <a:masterClrMapping/>
   </p:clrMapOvr>
-  <mc:AlternateContent xmlns:mc="http://schemas.openxmlformats.org/markup-compatibility/2006">
-    <mc:Choice xmlns:p14="http://schemas.microsoft.com/office/powerpoint/2010/main" Requires="p14">
+  <mc:AlternateContent xmlns:mc="http://schemas.openxmlformats.org/markup-compatibility/2006" xmlns:p14="http://schemas.microsoft.com/office/powerpoint/2010/main">
+    <mc:Choice Requires="p14">
       <p:transition spd="med" p14:dur="700">
         <p:fade/>
       </p:transition>
     </mc:Choice>
-    <mc:Fallback>
+    <mc:Fallback xmlns="">
       <p:transition spd="med">
         <p:fade/>
       </p:transition>
